--- a/computerTestRelative/上機考三.pptx
+++ b/computerTestRelative/上機考三.pptx
@@ -204,7 +204,7 @@
           <a:p>
             <a:fld id="{B0EC9DD6-47AD-4E08-815B-23430202DB33}" type="datetimeFigureOut">
               <a:rPr lang="zh-TW" altLang="en-US" smtClean="0"/>
-              <a:t>2021/12/23</a:t>
+              <a:t>2022/1/8</a:t>
             </a:fld>
             <a:endParaRPr lang="zh-TW" altLang="en-US"/>
           </a:p>
@@ -602,7 +602,7 @@
           <a:p>
             <a:fld id="{A4CF57FC-41F1-4264-BEF6-872834B45005}" type="datetime1">
               <a:rPr lang="zh-TW" altLang="en-US" smtClean="0"/>
-              <a:t>2021/12/23</a:t>
+              <a:t>2022/1/8</a:t>
             </a:fld>
             <a:endParaRPr lang="zh-TW" altLang="en-US"/>
           </a:p>
@@ -775,7 +775,7 @@
           <a:p>
             <a:fld id="{51E4565C-6A59-4292-AB00-6AE1C77E9134}" type="datetime1">
               <a:rPr lang="zh-TW" altLang="en-US" smtClean="0"/>
-              <a:t>2021/12/23</a:t>
+              <a:t>2022/1/8</a:t>
             </a:fld>
             <a:endParaRPr lang="zh-TW" altLang="en-US"/>
           </a:p>
@@ -958,7 +958,7 @@
           <a:p>
             <a:fld id="{124772D6-257E-44C8-B3F9-9A4CACE1C371}" type="datetime1">
               <a:rPr lang="zh-TW" altLang="en-US" smtClean="0"/>
-              <a:t>2021/12/23</a:t>
+              <a:t>2022/1/8</a:t>
             </a:fld>
             <a:endParaRPr lang="zh-TW" altLang="en-US"/>
           </a:p>
@@ -1131,7 +1131,7 @@
           <a:p>
             <a:fld id="{8EC48396-618E-43E7-881A-304AC871AE1C}" type="datetime1">
               <a:rPr lang="zh-TW" altLang="en-US" smtClean="0"/>
-              <a:t>2021/12/23</a:t>
+              <a:t>2022/1/8</a:t>
             </a:fld>
             <a:endParaRPr lang="zh-TW" altLang="en-US"/>
           </a:p>
@@ -1388,7 +1388,7 @@
           <a:p>
             <a:fld id="{6E0DE569-3B11-4802-A9E9-85594D31682F}" type="datetime1">
               <a:rPr lang="zh-TW" altLang="en-US" smtClean="0"/>
-              <a:t>2021/12/23</a:t>
+              <a:t>2022/1/8</a:t>
             </a:fld>
             <a:endParaRPr lang="zh-TW" altLang="en-US"/>
           </a:p>
@@ -1623,7 +1623,7 @@
           <a:p>
             <a:fld id="{5027D56B-1B8A-4D44-87F1-08CEBC933F8D}" type="datetime1">
               <a:rPr lang="zh-TW" altLang="en-US" smtClean="0"/>
-              <a:t>2021/12/23</a:t>
+              <a:t>2022/1/8</a:t>
             </a:fld>
             <a:endParaRPr lang="zh-TW" altLang="en-US"/>
           </a:p>
@@ -1993,7 +1993,7 @@
           <a:p>
             <a:fld id="{F637B13A-80F4-48F0-AF3B-B0AB7A8CFE45}" type="datetime1">
               <a:rPr lang="zh-TW" altLang="en-US" smtClean="0"/>
-              <a:t>2021/12/23</a:t>
+              <a:t>2022/1/8</a:t>
             </a:fld>
             <a:endParaRPr lang="zh-TW" altLang="en-US"/>
           </a:p>
@@ -2114,7 +2114,7 @@
           <a:p>
             <a:fld id="{207A7C87-0B8B-4139-8231-34C4CBC7CC52}" type="datetime1">
               <a:rPr lang="zh-TW" altLang="en-US" smtClean="0"/>
-              <a:t>2021/12/23</a:t>
+              <a:t>2022/1/8</a:t>
             </a:fld>
             <a:endParaRPr lang="zh-TW" altLang="en-US"/>
           </a:p>
@@ -2212,7 +2212,7 @@
           <a:p>
             <a:fld id="{559F0167-BCC1-4A94-A8E8-91928D0EA0DB}" type="datetime1">
               <a:rPr lang="zh-TW" altLang="en-US" smtClean="0"/>
-              <a:t>2021/12/23</a:t>
+              <a:t>2022/1/8</a:t>
             </a:fld>
             <a:endParaRPr lang="zh-TW" altLang="en-US"/>
           </a:p>
@@ -2492,7 +2492,7 @@
           <a:p>
             <a:fld id="{CC691A63-CE4D-45A3-93AB-1D921C0AF14F}" type="datetime1">
               <a:rPr lang="zh-TW" altLang="en-US" smtClean="0"/>
-              <a:t>2021/12/23</a:t>
+              <a:t>2022/1/8</a:t>
             </a:fld>
             <a:endParaRPr lang="zh-TW" altLang="en-US"/>
           </a:p>
@@ -2752,7 +2752,7 @@
           <a:p>
             <a:fld id="{70225569-6D1B-4FC1-8DBA-252940893000}" type="datetime1">
               <a:rPr lang="zh-TW" altLang="en-US" smtClean="0"/>
-              <a:t>2021/12/23</a:t>
+              <a:t>2022/1/8</a:t>
             </a:fld>
             <a:endParaRPr lang="zh-TW" altLang="en-US"/>
           </a:p>
@@ -2968,7 +2968,7 @@
           <a:p>
             <a:fld id="{0EC6ED52-4FB9-4B94-B7D8-A3A07E813348}" type="datetime1">
               <a:rPr lang="zh-TW" altLang="en-US" smtClean="0"/>
-              <a:t>2021/12/23</a:t>
+              <a:t>2022/1/8</a:t>
             </a:fld>
             <a:endParaRPr lang="zh-TW" altLang="en-US"/>
           </a:p>
@@ -3408,6 +3408,20 @@
                 <a:latin typeface="Times New Roman" panose="02020603050405020304" pitchFamily="18" charset="0"/>
                 <a:cs typeface="Times New Roman" panose="02020603050405020304" pitchFamily="18" charset="0"/>
               </a:rPr>
+              <a:t>7.</a:t>
+            </a:r>
+            <a:r>
+              <a:rPr lang="zh-TW" altLang="en-US" b="1" dirty="0">
+                <a:latin typeface="Times New Roman" panose="02020603050405020304" pitchFamily="18" charset="0"/>
+                <a:cs typeface="Times New Roman" panose="02020603050405020304" pitchFamily="18" charset="0"/>
+              </a:rPr>
+              <a:t> </a:t>
+            </a:r>
+            <a:r>
+              <a:rPr lang="en-US" altLang="zh-TW" b="1" dirty="0">
+                <a:latin typeface="Times New Roman" panose="02020603050405020304" pitchFamily="18" charset="0"/>
+                <a:cs typeface="Times New Roman" panose="02020603050405020304" pitchFamily="18" charset="0"/>
+              </a:rPr>
               <a:t>Topology sort (30)</a:t>
             </a:r>
             <a:endParaRPr lang="zh-TW" altLang="en-US" dirty="0"/>
@@ -4194,6 +4208,20 @@
           <a:bodyPr/>
           <a:lstStyle/>
           <a:p>
+            <a:r>
+              <a:rPr lang="en-US" altLang="zh-TW" b="1" dirty="0">
+                <a:latin typeface="Times New Roman" panose="02020603050405020304" pitchFamily="18" charset="0"/>
+                <a:cs typeface="Times New Roman" panose="02020603050405020304" pitchFamily="18" charset="0"/>
+              </a:rPr>
+              <a:t>8.</a:t>
+            </a:r>
+            <a:r>
+              <a:rPr lang="zh-TW" altLang="en-US" b="1" dirty="0">
+                <a:latin typeface="Times New Roman" panose="02020603050405020304" pitchFamily="18" charset="0"/>
+                <a:cs typeface="Times New Roman" panose="02020603050405020304" pitchFamily="18" charset="0"/>
+              </a:rPr>
+              <a:t> </a:t>
+            </a:r>
             <a:r>
               <a:rPr lang="en-US" altLang="zh-TW" b="1" dirty="0">
                 <a:latin typeface="Times New Roman" panose="02020603050405020304" pitchFamily="18" charset="0"/>
@@ -4966,6 +4994,20 @@
           <a:bodyPr/>
           <a:lstStyle/>
           <a:p>
+            <a:r>
+              <a:rPr lang="en-US" altLang="zh-TW" b="1" dirty="0">
+                <a:latin typeface="Times New Roman" panose="02020603050405020304" pitchFamily="18" charset="0"/>
+                <a:cs typeface="Times New Roman" panose="02020603050405020304" pitchFamily="18" charset="0"/>
+              </a:rPr>
+              <a:t>9.</a:t>
+            </a:r>
+            <a:r>
+              <a:rPr lang="zh-TW" altLang="en-US" b="1" dirty="0">
+                <a:latin typeface="Times New Roman" panose="02020603050405020304" pitchFamily="18" charset="0"/>
+                <a:cs typeface="Times New Roman" panose="02020603050405020304" pitchFamily="18" charset="0"/>
+              </a:rPr>
+              <a:t> </a:t>
+            </a:r>
             <a:r>
               <a:rPr lang="en-US" altLang="zh-TW" b="1" dirty="0">
                 <a:latin typeface="Times New Roman" panose="02020603050405020304" pitchFamily="18" charset="0"/>
